--- a/g1-induction/unit-1-semester-1/talk-3-programming/a-intro-to-programming.pptx
+++ b/g1-induction/unit-1-semester-1/talk-3-programming/a-intro-to-programming.pptx
@@ -28,7 +28,7 @@
     <p:sldId id="300" r:id="rId19"/>
     <p:sldId id="281" r:id="rId20"/>
   </p:sldIdLst>
-  <p:sldSz cx="9144000" cy="6858000" type="screen4x3"/>
+  <p:sldSz cx="12192000" cy="6858000"/>
   <p:notesSz cx="6858000" cy="9144000"/>
   <p:defaultTextStyle>
     <a:defPPr>
@@ -128,12 +128,12 @@
   <p:extLst>
     <p:ext uri="{EFAFB233-063F-42B5-8137-9DF3F51BA10A}">
       <p15:sldGuideLst xmlns:p15="http://schemas.microsoft.com/office/powerpoint/2012/main">
-        <p15:guide id="1" orient="horz" pos="2160">
+        <p15:guide id="1" orient="horz" pos="2160" userDrawn="1">
           <p15:clr>
             <a:srgbClr val="A4A3A4"/>
           </p15:clr>
         </p15:guide>
-        <p15:guide id="2" pos="2880">
+        <p15:guide id="2" pos="3840" userDrawn="1">
           <p15:clr>
             <a:srgbClr val="A4A3A4"/>
           </p15:clr>
@@ -14945,7 +14945,7 @@
           <a:p>
             <a:fld id="{58C3D141-1E1C-433C-AD3A-CD56CBBB4F9F}" type="datetimeFigureOut">
               <a:rPr lang="en-IE" smtClean="0"/>
-              <a:t>15/02/2018</a:t>
+              <a:t>02/01/2019</a:t>
             </a:fld>
             <a:endParaRPr lang="en-IE"/>
           </a:p>
@@ -14963,8 +14963,8 @@
         </p:nvSpPr>
         <p:spPr>
           <a:xfrm>
-            <a:off x="1143000" y="685800"/>
-            <a:ext cx="4572000" cy="3429000"/>
+            <a:off x="381000" y="685800"/>
+            <a:ext cx="6096000" cy="3429000"/>
           </a:xfrm>
           <a:prstGeom prst="rect">
             <a:avLst/>
@@ -15240,7 +15240,12 @@
             <p:ph type="sldImg"/>
           </p:nvPr>
         </p:nvSpPr>
-        <p:spPr/>
+        <p:spPr>
+          <a:xfrm>
+            <a:off x="381000" y="685800"/>
+            <a:ext cx="6096000" cy="3429000"/>
+          </a:xfrm>
+        </p:spPr>
       </p:sp>
       <p:sp>
         <p:nvSpPr>
@@ -15327,7 +15332,12 @@
             <p:ph type="sldImg"/>
           </p:nvPr>
         </p:nvSpPr>
-        <p:spPr/>
+        <p:spPr>
+          <a:xfrm>
+            <a:off x="381000" y="685800"/>
+            <a:ext cx="6096000" cy="3429000"/>
+          </a:xfrm>
+        </p:spPr>
       </p:sp>
       <p:sp>
         <p:nvSpPr>
@@ -15414,7 +15424,12 @@
             <p:ph type="sldImg"/>
           </p:nvPr>
         </p:nvSpPr>
-        <p:spPr/>
+        <p:spPr>
+          <a:xfrm>
+            <a:off x="381000" y="685800"/>
+            <a:ext cx="6096000" cy="3429000"/>
+          </a:xfrm>
+        </p:spPr>
       </p:sp>
       <p:sp>
         <p:nvSpPr>
@@ -15501,7 +15516,12 @@
             <p:ph type="sldImg"/>
           </p:nvPr>
         </p:nvSpPr>
-        <p:spPr/>
+        <p:spPr>
+          <a:xfrm>
+            <a:off x="381000" y="685800"/>
+            <a:ext cx="6096000" cy="3429000"/>
+          </a:xfrm>
+        </p:spPr>
       </p:sp>
       <p:sp>
         <p:nvSpPr>
@@ -15588,7 +15608,12 @@
             <p:ph type="sldImg"/>
           </p:nvPr>
         </p:nvSpPr>
-        <p:spPr/>
+        <p:spPr>
+          <a:xfrm>
+            <a:off x="381000" y="685800"/>
+            <a:ext cx="6096000" cy="3429000"/>
+          </a:xfrm>
+        </p:spPr>
       </p:sp>
       <p:sp>
         <p:nvSpPr>
@@ -15672,7 +15697,12 @@
             <p:ph type="sldImg"/>
           </p:nvPr>
         </p:nvSpPr>
-        <p:spPr/>
+        <p:spPr>
+          <a:xfrm>
+            <a:off x="381000" y="685800"/>
+            <a:ext cx="6096000" cy="3429000"/>
+          </a:xfrm>
+        </p:spPr>
       </p:sp>
       <p:sp>
         <p:nvSpPr>
@@ -15756,7 +15786,12 @@
             <p:ph type="sldImg"/>
           </p:nvPr>
         </p:nvSpPr>
-        <p:spPr/>
+        <p:spPr>
+          <a:xfrm>
+            <a:off x="381000" y="685800"/>
+            <a:ext cx="6096000" cy="3429000"/>
+          </a:xfrm>
+        </p:spPr>
       </p:sp>
       <p:sp>
         <p:nvSpPr>
@@ -15861,7 +15896,12 @@
             <p:ph type="sldImg"/>
           </p:nvPr>
         </p:nvSpPr>
-        <p:spPr/>
+        <p:spPr>
+          <a:xfrm>
+            <a:off x="381000" y="685800"/>
+            <a:ext cx="6096000" cy="3429000"/>
+          </a:xfrm>
+        </p:spPr>
       </p:sp>
       <p:sp>
         <p:nvSpPr>
@@ -15950,8 +15990,8 @@
         </p:nvSpPr>
         <p:spPr>
           <a:xfrm>
-            <a:off x="685800" y="2130425"/>
-            <a:ext cx="7772400" cy="1470025"/>
+            <a:off x="914400" y="2130426"/>
+            <a:ext cx="10363200" cy="1470025"/>
           </a:xfrm>
         </p:spPr>
         <p:txBody>
@@ -15977,8 +16017,8 @@
         </p:nvSpPr>
         <p:spPr>
           <a:xfrm>
-            <a:off x="1371600" y="3886200"/>
-            <a:ext cx="6400800" cy="1752600"/>
+            <a:off x="1828800" y="3886200"/>
+            <a:ext cx="8534400" cy="1752600"/>
           </a:xfrm>
         </p:spPr>
         <p:txBody>
@@ -16101,7 +16141,7 @@
             <a:fld id="{1D8BD707-D9CF-40AE-B4C6-C98DA3205C09}" type="datetimeFigureOut">
               <a:rPr lang="en-US" smtClean="0"/>
               <a:pPr/>
-              <a:t>2/15/18</a:t>
+              <a:t>1/2/19</a:t>
             </a:fld>
             <a:endParaRPr lang="en-US"/>
           </a:p>
@@ -16266,7 +16306,7 @@
             <a:fld id="{1D8BD707-D9CF-40AE-B4C6-C98DA3205C09}" type="datetimeFigureOut">
               <a:rPr lang="en-US" smtClean="0"/>
               <a:pPr/>
-              <a:t>2/15/18</a:t>
+              <a:t>1/2/19</a:t>
             </a:fld>
             <a:endParaRPr lang="en-US"/>
           </a:p>
@@ -16352,8 +16392,8 @@
         </p:nvSpPr>
         <p:spPr>
           <a:xfrm>
-            <a:off x="6629400" y="274638"/>
-            <a:ext cx="2057400" cy="5851525"/>
+            <a:off x="8839200" y="274639"/>
+            <a:ext cx="2743200" cy="5851525"/>
           </a:xfrm>
         </p:spPr>
         <p:txBody>
@@ -16379,8 +16419,8 @@
         </p:nvSpPr>
         <p:spPr>
           <a:xfrm>
-            <a:off x="457200" y="274638"/>
-            <a:ext cx="6019800" cy="5851525"/>
+            <a:off x="609600" y="274639"/>
+            <a:ext cx="8026400" cy="5851525"/>
           </a:xfrm>
         </p:spPr>
         <p:txBody>
@@ -16441,7 +16481,7 @@
             <a:fld id="{1D8BD707-D9CF-40AE-B4C6-C98DA3205C09}" type="datetimeFigureOut">
               <a:rPr lang="en-US" smtClean="0"/>
               <a:pPr/>
-              <a:t>2/15/18</a:t>
+              <a:t>1/2/19</a:t>
             </a:fld>
             <a:endParaRPr lang="en-US"/>
           </a:p>
@@ -16747,7 +16787,7 @@
             <a:fld id="{1D8BD707-D9CF-40AE-B4C6-C98DA3205C09}" type="datetimeFigureOut">
               <a:rPr lang="en-US" smtClean="0"/>
               <a:pPr/>
-              <a:t>2/15/18</a:t>
+              <a:t>1/2/19</a:t>
             </a:fld>
             <a:endParaRPr lang="en-US"/>
           </a:p>
@@ -16804,8 +16844,8 @@
         </p:nvCxnSpPr>
         <p:spPr>
           <a:xfrm>
-            <a:off x="457200" y="1447800"/>
-            <a:ext cx="8305800" cy="0"/>
+            <a:off x="609600" y="1447800"/>
+            <a:ext cx="11074400" cy="0"/>
           </a:xfrm>
           <a:prstGeom prst="line">
             <a:avLst/>
@@ -16871,8 +16911,8 @@
         </p:nvSpPr>
         <p:spPr>
           <a:xfrm>
-            <a:off x="722313" y="4406900"/>
-            <a:ext cx="7772400" cy="1362075"/>
+            <a:off x="963084" y="4406901"/>
+            <a:ext cx="10363200" cy="1362075"/>
           </a:xfrm>
         </p:spPr>
         <p:txBody>
@@ -16902,8 +16942,8 @@
         </p:nvSpPr>
         <p:spPr>
           <a:xfrm>
-            <a:off x="722313" y="2906713"/>
-            <a:ext cx="7772400" cy="1500187"/>
+            <a:off x="963084" y="2906713"/>
+            <a:ext cx="10363200" cy="1500187"/>
           </a:xfrm>
         </p:spPr>
         <p:txBody>
@@ -17027,7 +17067,7 @@
             <a:fld id="{1D8BD707-D9CF-40AE-B4C6-C98DA3205C09}" type="datetimeFigureOut">
               <a:rPr lang="en-US" smtClean="0"/>
               <a:pPr/>
-              <a:t>2/15/18</a:t>
+              <a:t>1/2/19</a:t>
             </a:fld>
             <a:endParaRPr lang="en-US"/>
           </a:p>
@@ -17146,8 +17186,8 @@
         </p:nvSpPr>
         <p:spPr>
           <a:xfrm>
-            <a:off x="457200" y="1600200"/>
-            <a:ext cx="4038600" cy="4525963"/>
+            <a:off x="609600" y="1600201"/>
+            <a:ext cx="5384800" cy="4525963"/>
           </a:xfrm>
         </p:spPr>
         <p:txBody>
@@ -17230,8 +17270,8 @@
         </p:nvSpPr>
         <p:spPr>
           <a:xfrm>
-            <a:off x="4648200" y="1600200"/>
-            <a:ext cx="4038600" cy="4525963"/>
+            <a:off x="6197600" y="1600201"/>
+            <a:ext cx="5384800" cy="4525963"/>
           </a:xfrm>
         </p:spPr>
         <p:txBody>
@@ -17320,7 +17360,7 @@
             <a:fld id="{1D8BD707-D9CF-40AE-B4C6-C98DA3205C09}" type="datetimeFigureOut">
               <a:rPr lang="en-US" smtClean="0"/>
               <a:pPr/>
-              <a:t>2/15/18</a:t>
+              <a:t>1/2/19</a:t>
             </a:fld>
             <a:endParaRPr lang="en-US"/>
           </a:p>
@@ -17377,8 +17417,8 @@
         </p:nvCxnSpPr>
         <p:spPr>
           <a:xfrm>
-            <a:off x="457200" y="1447800"/>
-            <a:ext cx="8305800" cy="0"/>
+            <a:off x="609600" y="1447800"/>
+            <a:ext cx="11074400" cy="0"/>
           </a:xfrm>
           <a:prstGeom prst="line">
             <a:avLst/>
@@ -17474,8 +17514,8 @@
         </p:nvSpPr>
         <p:spPr>
           <a:xfrm>
-            <a:off x="457200" y="1535113"/>
-            <a:ext cx="4040188" cy="639762"/>
+            <a:off x="609600" y="1535113"/>
+            <a:ext cx="5386917" cy="639762"/>
           </a:xfrm>
         </p:spPr>
         <p:txBody>
@@ -17539,8 +17579,8 @@
         </p:nvSpPr>
         <p:spPr>
           <a:xfrm>
-            <a:off x="457200" y="2174875"/>
-            <a:ext cx="4040188" cy="3951288"/>
+            <a:off x="609600" y="2174875"/>
+            <a:ext cx="5386917" cy="3951288"/>
           </a:xfrm>
         </p:spPr>
         <p:txBody>
@@ -17623,8 +17663,8 @@
         </p:nvSpPr>
         <p:spPr>
           <a:xfrm>
-            <a:off x="4645025" y="1535113"/>
-            <a:ext cx="4041775" cy="639762"/>
+            <a:off x="6193368" y="1535113"/>
+            <a:ext cx="5389033" cy="639762"/>
           </a:xfrm>
         </p:spPr>
         <p:txBody>
@@ -17688,8 +17728,8 @@
         </p:nvSpPr>
         <p:spPr>
           <a:xfrm>
-            <a:off x="4645025" y="2174875"/>
-            <a:ext cx="4041775" cy="3951288"/>
+            <a:off x="6193368" y="2174875"/>
+            <a:ext cx="5389033" cy="3951288"/>
           </a:xfrm>
         </p:spPr>
         <p:txBody>
@@ -17778,7 +17818,7 @@
             <a:fld id="{1D8BD707-D9CF-40AE-B4C6-C98DA3205C09}" type="datetimeFigureOut">
               <a:rPr lang="en-US" smtClean="0"/>
               <a:pPr/>
-              <a:t>2/15/18</a:t>
+              <a:t>1/2/19</a:t>
             </a:fld>
             <a:endParaRPr lang="en-US"/>
           </a:p>
@@ -17835,8 +17875,8 @@
         </p:nvCxnSpPr>
         <p:spPr>
           <a:xfrm>
-            <a:off x="457200" y="1447800"/>
-            <a:ext cx="8305800" cy="0"/>
+            <a:off x="609600" y="1447800"/>
+            <a:ext cx="11074400" cy="0"/>
           </a:xfrm>
           <a:prstGeom prst="line">
             <a:avLst/>
@@ -17938,7 +17978,7 @@
             <a:fld id="{1D8BD707-D9CF-40AE-B4C6-C98DA3205C09}" type="datetimeFigureOut">
               <a:rPr lang="en-US" smtClean="0"/>
               <a:pPr/>
-              <a:t>2/15/18</a:t>
+              <a:t>1/2/19</a:t>
             </a:fld>
             <a:endParaRPr lang="en-US"/>
           </a:p>
@@ -17995,8 +18035,8 @@
         </p:nvCxnSpPr>
         <p:spPr>
           <a:xfrm>
-            <a:off x="457200" y="1447800"/>
-            <a:ext cx="8305800" cy="0"/>
+            <a:off x="609600" y="1447800"/>
+            <a:ext cx="11074400" cy="0"/>
           </a:xfrm>
           <a:prstGeom prst="line">
             <a:avLst/>
@@ -18065,7 +18105,7 @@
             <a:fld id="{1D8BD707-D9CF-40AE-B4C6-C98DA3205C09}" type="datetimeFigureOut">
               <a:rPr lang="en-US" smtClean="0"/>
               <a:pPr/>
-              <a:t>2/15/18</a:t>
+              <a:t>1/2/19</a:t>
             </a:fld>
             <a:endParaRPr lang="en-US"/>
           </a:p>
@@ -18151,8 +18191,8 @@
         </p:nvSpPr>
         <p:spPr>
           <a:xfrm>
-            <a:off x="457200" y="273050"/>
-            <a:ext cx="3008313" cy="1162050"/>
+            <a:off x="609601" y="273050"/>
+            <a:ext cx="4011084" cy="1162050"/>
           </a:xfrm>
         </p:spPr>
         <p:txBody>
@@ -18182,8 +18222,8 @@
         </p:nvSpPr>
         <p:spPr>
           <a:xfrm>
-            <a:off x="3575050" y="273050"/>
-            <a:ext cx="5111750" cy="5853113"/>
+            <a:off x="4766733" y="273051"/>
+            <a:ext cx="6815667" cy="5853113"/>
           </a:xfrm>
         </p:spPr>
         <p:txBody>
@@ -18266,8 +18306,8 @@
         </p:nvSpPr>
         <p:spPr>
           <a:xfrm>
-            <a:off x="457200" y="1435100"/>
-            <a:ext cx="3008313" cy="4691063"/>
+            <a:off x="609601" y="1435101"/>
+            <a:ext cx="4011084" cy="4691063"/>
           </a:xfrm>
         </p:spPr>
         <p:txBody>
@@ -18337,7 +18377,7 @@
             <a:fld id="{1D8BD707-D9CF-40AE-B4C6-C98DA3205C09}" type="datetimeFigureOut">
               <a:rPr lang="en-US" smtClean="0"/>
               <a:pPr/>
-              <a:t>2/15/18</a:t>
+              <a:t>1/2/19</a:t>
             </a:fld>
             <a:endParaRPr lang="en-US"/>
           </a:p>
@@ -18423,8 +18463,8 @@
         </p:nvSpPr>
         <p:spPr>
           <a:xfrm>
-            <a:off x="1792288" y="4800600"/>
-            <a:ext cx="5486400" cy="566738"/>
+            <a:off x="2389717" y="4800600"/>
+            <a:ext cx="7315200" cy="566738"/>
           </a:xfrm>
         </p:spPr>
         <p:txBody>
@@ -18454,8 +18494,8 @@
         </p:nvSpPr>
         <p:spPr>
           <a:xfrm>
-            <a:off x="1792288" y="612775"/>
-            <a:ext cx="5486400" cy="4114800"/>
+            <a:off x="2389717" y="612775"/>
+            <a:ext cx="7315200" cy="4114800"/>
           </a:xfrm>
         </p:spPr>
         <p:txBody>
@@ -18515,8 +18555,8 @@
         </p:nvSpPr>
         <p:spPr>
           <a:xfrm>
-            <a:off x="1792288" y="5367338"/>
-            <a:ext cx="5486400" cy="804862"/>
+            <a:off x="2389717" y="5367338"/>
+            <a:ext cx="7315200" cy="804862"/>
           </a:xfrm>
         </p:spPr>
         <p:txBody>
@@ -18586,7 +18626,7 @@
             <a:fld id="{1D8BD707-D9CF-40AE-B4C6-C98DA3205C09}" type="datetimeFigureOut">
               <a:rPr lang="en-US" smtClean="0"/>
               <a:pPr/>
-              <a:t>2/15/18</a:t>
+              <a:t>1/2/19</a:t>
             </a:fld>
             <a:endParaRPr lang="en-US"/>
           </a:p>
@@ -18677,8 +18717,8 @@
         </p:nvSpPr>
         <p:spPr>
           <a:xfrm>
-            <a:off x="457200" y="274638"/>
-            <a:ext cx="8229600" cy="1143000"/>
+            <a:off x="609600" y="274638"/>
+            <a:ext cx="10972800" cy="1143000"/>
           </a:xfrm>
           <a:prstGeom prst="rect">
             <a:avLst/>
@@ -18709,8 +18749,8 @@
         </p:nvSpPr>
         <p:spPr>
           <a:xfrm>
-            <a:off x="457200" y="1600200"/>
-            <a:ext cx="8229600" cy="4525963"/>
+            <a:off x="609600" y="1600201"/>
+            <a:ext cx="10972800" cy="4525963"/>
           </a:xfrm>
           <a:prstGeom prst="rect">
             <a:avLst/>
@@ -18770,8 +18810,8 @@
         </p:nvSpPr>
         <p:spPr>
           <a:xfrm>
-            <a:off x="457200" y="6356350"/>
-            <a:ext cx="2133600" cy="365125"/>
+            <a:off x="609600" y="6356351"/>
+            <a:ext cx="2844800" cy="365125"/>
           </a:xfrm>
           <a:prstGeom prst="rect">
             <a:avLst/>
@@ -18794,7 +18834,7 @@
             <a:fld id="{1D8BD707-D9CF-40AE-B4C6-C98DA3205C09}" type="datetimeFigureOut">
               <a:rPr lang="en-US" smtClean="0"/>
               <a:pPr/>
-              <a:t>2/15/18</a:t>
+              <a:t>1/2/19</a:t>
             </a:fld>
             <a:endParaRPr lang="en-US"/>
           </a:p>
@@ -18812,8 +18852,8 @@
         </p:nvSpPr>
         <p:spPr>
           <a:xfrm>
-            <a:off x="3124200" y="6356350"/>
-            <a:ext cx="2895600" cy="365125"/>
+            <a:off x="4165600" y="6356351"/>
+            <a:ext cx="3860800" cy="365125"/>
           </a:xfrm>
           <a:prstGeom prst="rect">
             <a:avLst/>
@@ -18849,8 +18889,8 @@
         </p:nvSpPr>
         <p:spPr>
           <a:xfrm>
-            <a:off x="6553200" y="6356350"/>
-            <a:ext cx="2133600" cy="365125"/>
+            <a:off x="8737600" y="6356351"/>
+            <a:ext cx="2844800" cy="365125"/>
           </a:xfrm>
           <a:prstGeom prst="rect">
             <a:avLst/>
@@ -19178,7 +19218,7 @@
         </p:nvSpPr>
         <p:spPr>
           <a:xfrm>
-            <a:off x="651641" y="914400"/>
+            <a:off x="2175641" y="914401"/>
             <a:ext cx="7772400" cy="1470025"/>
           </a:xfrm>
         </p:spPr>
@@ -19208,7 +19248,7 @@
         </p:nvSpPr>
         <p:spPr>
           <a:xfrm>
-            <a:off x="114300" y="3832224"/>
+            <a:off x="1638300" y="3832224"/>
             <a:ext cx="2552700" cy="1066800"/>
           </a:xfrm>
         </p:spPr>
@@ -19255,7 +19295,7 @@
         </p:blipFill>
         <p:spPr>
           <a:xfrm>
-            <a:off x="651641" y="5715000"/>
+            <a:off x="2175641" y="5715001"/>
             <a:ext cx="3771900" cy="847725"/>
           </a:xfrm>
           <a:prstGeom prst="rect">
@@ -19271,7 +19311,7 @@
         </p:nvCxnSpPr>
         <p:spPr>
           <a:xfrm>
-            <a:off x="727841" y="3124200"/>
+            <a:off x="2251841" y="3124200"/>
             <a:ext cx="7620000" cy="0"/>
           </a:xfrm>
           <a:prstGeom prst="line">
@@ -19306,7 +19346,7 @@
         </p:nvSpPr>
         <p:spPr>
           <a:xfrm>
-            <a:off x="2590800" y="3869323"/>
+            <a:off x="4114800" y="3869324"/>
             <a:ext cx="5562600" cy="1200329"/>
           </a:xfrm>
           <a:prstGeom prst="rect">
@@ -19409,7 +19449,7 @@
         </p:nvSpPr>
         <p:spPr>
           <a:xfrm>
-            <a:off x="4953000" y="5892225"/>
+            <a:off x="6477000" y="5892226"/>
             <a:ext cx="4072758" cy="584775"/>
           </a:xfrm>
           <a:prstGeom prst="rect">
@@ -19458,7 +19498,7 @@
         </p:nvSpPr>
         <p:spPr>
           <a:xfrm>
-            <a:off x="651641" y="2133600"/>
+            <a:off x="2175641" y="2133601"/>
             <a:ext cx="7772400" cy="936625"/>
           </a:xfrm>
           <a:prstGeom prst="rect">
@@ -19598,7 +19638,7 @@
           </p:nvPr>
         </p:nvGraphicFramePr>
         <p:xfrm>
-          <a:off x="234404" y="1888991"/>
+          <a:off x="1758405" y="1888991"/>
           <a:ext cx="8675191" cy="4064000"/>
         </p:xfrm>
         <a:graphic>
@@ -19672,7 +19712,7 @@
         <p:spPr/>
         <p:txBody>
           <a:bodyPr>
-            <a:normAutofit fontScale="92500"/>
+            <a:normAutofit/>
           </a:bodyPr>
           <a:lstStyle/>
           <a:p>
@@ -19785,7 +19825,7 @@
         </p:nvSpPr>
         <p:spPr>
           <a:xfrm>
-            <a:off x="685800" y="1219200"/>
+            <a:off x="2209800" y="1219201"/>
             <a:ext cx="7772400" cy="1470025"/>
           </a:xfrm>
         </p:spPr>
@@ -19829,7 +19869,7 @@
         </p:blipFill>
         <p:spPr bwMode="auto">
           <a:xfrm>
-            <a:off x="3238500" y="2819400"/>
+            <a:off x="4762500" y="2819400"/>
             <a:ext cx="2667000" cy="2667000"/>
           </a:xfrm>
           <a:prstGeom prst="rect">
@@ -19911,7 +19951,7 @@
         </p:nvSpPr>
         <p:spPr>
           <a:xfrm>
-            <a:off x="457200" y="1951037"/>
+            <a:off x="1981200" y="1951038"/>
             <a:ext cx="8229600" cy="4525963"/>
           </a:xfrm>
         </p:spPr>
@@ -20035,7 +20075,7 @@
         </p:blipFill>
         <p:spPr bwMode="auto">
           <a:xfrm>
-            <a:off x="7467600" y="34832"/>
+            <a:off x="8991600" y="34832"/>
             <a:ext cx="1371600" cy="1371600"/>
           </a:xfrm>
           <a:prstGeom prst="rect">
@@ -20213,7 +20253,7 @@
         </p:blipFill>
         <p:spPr bwMode="auto">
           <a:xfrm>
-            <a:off x="7467600" y="34832"/>
+            <a:off x="8991600" y="34832"/>
             <a:ext cx="1371600" cy="1371600"/>
           </a:xfrm>
           <a:prstGeom prst="rect">
@@ -20352,7 +20392,7 @@
             </a:r>
           </a:p>
           <a:p>
-            <a:pPr marL="0" lvl="0" indent="0">
+            <a:pPr marL="0" indent="0">
               <a:buNone/>
             </a:pPr>
             <a:endParaRPr lang="en-IE" dirty="0"/>
@@ -20388,7 +20428,7 @@
         </p:blipFill>
         <p:spPr bwMode="auto">
           <a:xfrm>
-            <a:off x="7467600" y="34832"/>
+            <a:off x="8991600" y="34832"/>
             <a:ext cx="1371600" cy="1371600"/>
           </a:xfrm>
           <a:prstGeom prst="rect">
@@ -20477,7 +20517,7 @@
             <a:endParaRPr lang="en-IE" i="1" dirty="0"/>
           </a:p>
           <a:p>
-            <a:pPr marL="0" lvl="0" indent="0" algn="ctr">
+            <a:pPr marL="0" indent="0" algn="ctr">
               <a:buNone/>
             </a:pPr>
             <a:r>
@@ -20486,7 +20526,7 @@
             </a:r>
           </a:p>
           <a:p>
-            <a:pPr marL="0" lvl="0" indent="0" algn="ctr">
+            <a:pPr marL="0" indent="0" algn="ctr">
               <a:buNone/>
             </a:pPr>
             <a:r>
@@ -20495,7 +20535,7 @@
             </a:r>
           </a:p>
           <a:p>
-            <a:pPr marL="0" lvl="0" indent="0" algn="ctr">
+            <a:pPr marL="0" indent="0" algn="ctr">
               <a:buNone/>
             </a:pPr>
             <a:r>
@@ -20596,7 +20636,7 @@
         </p:blipFill>
         <p:spPr bwMode="auto">
           <a:xfrm>
-            <a:off x="685800" y="1676399"/>
+            <a:off x="2209800" y="1676400"/>
             <a:ext cx="3759200" cy="4833257"/>
           </a:xfrm>
           <a:prstGeom prst="rect">
@@ -20648,7 +20688,7 @@
         </p:blipFill>
         <p:spPr bwMode="auto">
           <a:xfrm>
-            <a:off x="4765963" y="1676401"/>
+            <a:off x="6289964" y="1676401"/>
             <a:ext cx="3699163" cy="4833256"/>
           </a:xfrm>
           <a:prstGeom prst="rect">
@@ -20727,7 +20767,7 @@
         </p:nvSpPr>
         <p:spPr>
           <a:xfrm>
-            <a:off x="685800" y="1219200"/>
+            <a:off x="2209800" y="1219201"/>
             <a:ext cx="7772400" cy="1470025"/>
           </a:xfrm>
         </p:spPr>
@@ -20771,7 +20811,7 @@
         </p:blipFill>
         <p:spPr bwMode="auto">
           <a:xfrm>
-            <a:off x="3238500" y="2819400"/>
+            <a:off x="4762500" y="2819400"/>
             <a:ext cx="2667000" cy="2667000"/>
           </a:xfrm>
           <a:prstGeom prst="rect">
@@ -20864,7 +20904,7 @@
         </p:blipFill>
         <p:spPr bwMode="auto">
           <a:xfrm>
-            <a:off x="2286000" y="2057400"/>
+            <a:off x="3810000" y="2057401"/>
             <a:ext cx="4343400" cy="3509469"/>
           </a:xfrm>
           <a:prstGeom prst="rect">
@@ -20974,7 +21014,7 @@
         </p:nvSpPr>
         <p:spPr>
           <a:xfrm>
-            <a:off x="457200" y="1830387"/>
+            <a:off x="1981200" y="1830388"/>
             <a:ext cx="8229600" cy="4525963"/>
           </a:xfrm>
           <a:prstGeom prst="rect">
@@ -21147,7 +21187,7 @@
           </p:nvPr>
         </p:nvGraphicFramePr>
         <p:xfrm>
-          <a:off x="304800" y="1376456"/>
+          <a:off x="1828800" y="1376456"/>
           <a:ext cx="8534400" cy="4953000"/>
         </p:xfrm>
         <a:graphic>
@@ -21249,7 +21289,7 @@
           </p:nvPr>
         </p:nvGraphicFramePr>
         <p:xfrm>
-          <a:off x="495473" y="1787260"/>
+          <a:off x="2019474" y="1787260"/>
           <a:ext cx="8191327" cy="4199468"/>
         </p:xfrm>
         <a:graphic>
@@ -21361,7 +21401,7 @@
         </p:blipFill>
         <p:spPr bwMode="auto">
           <a:xfrm>
-            <a:off x="572181" y="1815965"/>
+            <a:off x="2096181" y="1815966"/>
             <a:ext cx="3544144" cy="904207"/>
           </a:xfrm>
           <a:prstGeom prst="rect">
@@ -21402,7 +21442,7 @@
         </p:blipFill>
         <p:spPr bwMode="auto">
           <a:xfrm>
-            <a:off x="1922429" y="3548106"/>
+            <a:off x="3446429" y="3548106"/>
             <a:ext cx="6563320" cy="1674316"/>
           </a:xfrm>
           <a:prstGeom prst="rect">
@@ -21443,7 +21483,7 @@
         </p:blipFill>
         <p:spPr bwMode="auto">
           <a:xfrm>
-            <a:off x="875965" y="4900794"/>
+            <a:off x="2399965" y="4900794"/>
             <a:ext cx="4222888" cy="1565284"/>
           </a:xfrm>
           <a:prstGeom prst="rect">
@@ -21483,7 +21523,7 @@
         </p:blipFill>
         <p:spPr>
           <a:xfrm>
-            <a:off x="4800600" y="2242166"/>
+            <a:off x="6324600" y="2242167"/>
             <a:ext cx="3771900" cy="1245093"/>
           </a:xfrm>
           <a:prstGeom prst="rect">
@@ -21600,7 +21640,7 @@
         </p:blipFill>
         <p:spPr bwMode="auto">
           <a:xfrm>
-            <a:off x="2895600" y="1571625"/>
+            <a:off x="4419601" y="1571626"/>
             <a:ext cx="2543175" cy="2543175"/>
           </a:xfrm>
           <a:prstGeom prst="rect">
@@ -21647,7 +21687,7 @@
         </p:blipFill>
         <p:spPr bwMode="auto">
           <a:xfrm>
-            <a:off x="1371600" y="2338107"/>
+            <a:off x="2895600" y="2338107"/>
             <a:ext cx="1371600" cy="1371600"/>
           </a:xfrm>
           <a:prstGeom prst="rect">
@@ -21694,7 +21734,7 @@
         </p:blipFill>
         <p:spPr bwMode="auto">
           <a:xfrm>
-            <a:off x="6172200" y="2223410"/>
+            <a:off x="7696200" y="2223410"/>
             <a:ext cx="1600994" cy="1600994"/>
           </a:xfrm>
           <a:prstGeom prst="rect">
@@ -21741,7 +21781,7 @@
         </p:blipFill>
         <p:spPr bwMode="auto">
           <a:xfrm>
-            <a:off x="3657600" y="4618878"/>
+            <a:off x="5181600" y="4618878"/>
             <a:ext cx="1600200" cy="1600200"/>
           </a:xfrm>
           <a:prstGeom prst="rect">
@@ -21788,7 +21828,7 @@
         </p:blipFill>
         <p:spPr bwMode="auto">
           <a:xfrm>
-            <a:off x="685800" y="4495053"/>
+            <a:off x="2209800" y="4495053"/>
             <a:ext cx="2359486" cy="1847850"/>
           </a:xfrm>
           <a:prstGeom prst="rect">
@@ -21835,7 +21875,7 @@
         </p:blipFill>
         <p:spPr bwMode="auto">
           <a:xfrm>
-            <a:off x="6036125" y="4495053"/>
+            <a:off x="7560125" y="4495054"/>
             <a:ext cx="1712416" cy="1571625"/>
           </a:xfrm>
           <a:prstGeom prst="rect">
@@ -21898,7 +21938,7 @@
           </p:nvPr>
         </p:nvGraphicFramePr>
         <p:xfrm>
-          <a:off x="1524000" y="609600"/>
+          <a:off x="3048001" y="609600"/>
           <a:ext cx="6623281" cy="5387294"/>
         </p:xfrm>
         <a:graphic>
@@ -23938,7 +23978,7 @@
           </p:nvPr>
         </p:nvGraphicFramePr>
         <p:xfrm>
-          <a:off x="152400" y="1676400"/>
+          <a:off x="1676400" y="1676400"/>
           <a:ext cx="8903692" cy="4896272"/>
         </p:xfrm>
         <a:graphic>
